--- a/Prezentace_2.pptx
+++ b/Prezentace_2.pptx
@@ -128,6 +128,78 @@
     </a:lvl9pPr>
   </p:defaultTextStyle>
   <p:extLst>
+    <p:ext uri="{521415D9-36F7-43E2-AB2F-B90AF26B5E84}">
+      <p14:sectionLst xmlns:p14="http://schemas.microsoft.com/office/powerpoint/2010/main">
+        <p14:section name="Výchozí oddíl" id="{1C2E6CFA-35A8-4432-850E-E6A5ACB44BB5}">
+          <p14:sldIdLst>
+            <p14:sldId id="256"/>
+          </p14:sldIdLst>
+        </p14:section>
+        <p14:section name="XML" id="{8B034D2F-3413-4D95-9722-A5D287AA5C1D}">
+          <p14:sldIdLst>
+            <p14:sldId id="271"/>
+            <p14:sldId id="272"/>
+            <p14:sldId id="277"/>
+          </p14:sldIdLst>
+        </p14:section>
+        <p14:section name="SQLite" id="{3387BC78-DED6-47D0-ABE5-104A64CA2302}">
+          <p14:sldIdLst>
+            <p14:sldId id="263"/>
+            <p14:sldId id="257"/>
+            <p14:sldId id="261"/>
+            <p14:sldId id="259"/>
+            <p14:sldId id="279"/>
+          </p14:sldIdLst>
+        </p14:section>
+        <p14:section name="Seznam Zboží  - semestrálka" id="{176B44C8-4B13-43AC-98CC-C435C9857747}">
+          <p14:sldIdLst>
+            <p14:sldId id="266"/>
+            <p14:sldId id="264"/>
+          </p14:sldIdLst>
+        </p14:section>
+        <p14:section name="Prace na hlavní aktivitě" id="{8128C3F4-8988-483C-87F8-E4A2B5A5DCEE}">
+          <p14:sldIdLst>
+            <p14:sldId id="284"/>
+            <p14:sldId id="286"/>
+            <p14:sldId id="285"/>
+          </p14:sldIdLst>
+        </p14:section>
+        <p14:section name="TABS" id="{3507DD39-CC19-4B6F-8529-BDA6C185D5FA}">
+          <p14:sldIdLst>
+            <p14:sldId id="280"/>
+          </p14:sldIdLst>
+        </p14:section>
+        <p14:section name="DB" id="{828B92B4-F14B-4E50-B20B-14E52FC3C0B2}">
+          <p14:sldIdLst>
+            <p14:sldId id="281"/>
+            <p14:sldId id="283"/>
+          </p14:sldIdLst>
+        </p14:section>
+        <p14:section name="Nastavení TABs" id="{AC048760-DB60-410F-A31C-DF1A29420C47}">
+          <p14:sldIdLst>
+            <p14:sldId id="290"/>
+            <p14:sldId id="287"/>
+          </p14:sldIdLst>
+        </p14:section>
+        <p14:section name="Přidání z TAB do DB" id="{CDD7C646-F23C-4D44-9349-B133F55B9A87}">
+          <p14:sldIdLst>
+            <p14:sldId id="289"/>
+          </p14:sldIdLst>
+        </p14:section>
+        <p14:section name="Prace se spinnerem TAB" id="{0FA2E258-A646-4AA2-8899-4F23ABEF7EC8}">
+          <p14:sldIdLst>
+            <p14:sldId id="288"/>
+            <p14:sldId id="291"/>
+            <p14:sldId id="292"/>
+          </p14:sldIdLst>
+        </p14:section>
+        <p14:section name="konec" id="{55FE8402-5918-4847-8D51-A614F0B462F3}">
+          <p14:sldIdLst>
+            <p14:sldId id="275"/>
+          </p14:sldIdLst>
+        </p14:section>
+      </p14:sectionLst>
+    </p:ext>
     <p:ext uri="{EFAFB233-063F-42B5-8137-9DF3F51BA10A}">
       <p15:sldGuideLst xmlns:p15="http://schemas.microsoft.com/office/powerpoint/2012/main"/>
     </p:ext>
@@ -266,7 +338,7 @@
           <a:p>
             <a:fld id="{10280380-A66F-4D95-ACA2-7D4D5E660D3C}" type="datetimeFigureOut">
               <a:rPr lang="cs-CZ" smtClean="0"/>
-              <a:t>12.05.2019</a:t>
+              <a:t>13.05.2019</a:t>
             </a:fld>
             <a:endParaRPr lang="cs-CZ"/>
           </a:p>
@@ -436,7 +508,7 @@
           <a:p>
             <a:fld id="{10280380-A66F-4D95-ACA2-7D4D5E660D3C}" type="datetimeFigureOut">
               <a:rPr lang="cs-CZ" smtClean="0"/>
-              <a:t>12.05.2019</a:t>
+              <a:t>13.05.2019</a:t>
             </a:fld>
             <a:endParaRPr lang="cs-CZ"/>
           </a:p>
@@ -616,7 +688,7 @@
           <a:p>
             <a:fld id="{10280380-A66F-4D95-ACA2-7D4D5E660D3C}" type="datetimeFigureOut">
               <a:rPr lang="cs-CZ" smtClean="0"/>
-              <a:t>12.05.2019</a:t>
+              <a:t>13.05.2019</a:t>
             </a:fld>
             <a:endParaRPr lang="cs-CZ"/>
           </a:p>
@@ -786,7 +858,7 @@
           <a:p>
             <a:fld id="{10280380-A66F-4D95-ACA2-7D4D5E660D3C}" type="datetimeFigureOut">
               <a:rPr lang="cs-CZ" smtClean="0"/>
-              <a:t>12.05.2019</a:t>
+              <a:t>13.05.2019</a:t>
             </a:fld>
             <a:endParaRPr lang="cs-CZ"/>
           </a:p>
@@ -1032,7 +1104,7 @@
           <a:p>
             <a:fld id="{10280380-A66F-4D95-ACA2-7D4D5E660D3C}" type="datetimeFigureOut">
               <a:rPr lang="cs-CZ" smtClean="0"/>
-              <a:t>12.05.2019</a:t>
+              <a:t>13.05.2019</a:t>
             </a:fld>
             <a:endParaRPr lang="cs-CZ"/>
           </a:p>
@@ -1264,7 +1336,7 @@
           <a:p>
             <a:fld id="{10280380-A66F-4D95-ACA2-7D4D5E660D3C}" type="datetimeFigureOut">
               <a:rPr lang="cs-CZ" smtClean="0"/>
-              <a:t>12.05.2019</a:t>
+              <a:t>13.05.2019</a:t>
             </a:fld>
             <a:endParaRPr lang="cs-CZ"/>
           </a:p>
@@ -1631,7 +1703,7 @@
           <a:p>
             <a:fld id="{10280380-A66F-4D95-ACA2-7D4D5E660D3C}" type="datetimeFigureOut">
               <a:rPr lang="cs-CZ" smtClean="0"/>
-              <a:t>12.05.2019</a:t>
+              <a:t>13.05.2019</a:t>
             </a:fld>
             <a:endParaRPr lang="cs-CZ"/>
           </a:p>
@@ -1749,7 +1821,7 @@
           <a:p>
             <a:fld id="{10280380-A66F-4D95-ACA2-7D4D5E660D3C}" type="datetimeFigureOut">
               <a:rPr lang="cs-CZ" smtClean="0"/>
-              <a:t>12.05.2019</a:t>
+              <a:t>13.05.2019</a:t>
             </a:fld>
             <a:endParaRPr lang="cs-CZ"/>
           </a:p>
@@ -1844,7 +1916,7 @@
           <a:p>
             <a:fld id="{10280380-A66F-4D95-ACA2-7D4D5E660D3C}" type="datetimeFigureOut">
               <a:rPr lang="cs-CZ" smtClean="0"/>
-              <a:t>12.05.2019</a:t>
+              <a:t>13.05.2019</a:t>
             </a:fld>
             <a:endParaRPr lang="cs-CZ"/>
           </a:p>
@@ -2121,7 +2193,7 @@
           <a:p>
             <a:fld id="{10280380-A66F-4D95-ACA2-7D4D5E660D3C}" type="datetimeFigureOut">
               <a:rPr lang="cs-CZ" smtClean="0"/>
-              <a:t>12.05.2019</a:t>
+              <a:t>13.05.2019</a:t>
             </a:fld>
             <a:endParaRPr lang="cs-CZ"/>
           </a:p>
@@ -2378,7 +2450,7 @@
           <a:p>
             <a:fld id="{10280380-A66F-4D95-ACA2-7D4D5E660D3C}" type="datetimeFigureOut">
               <a:rPr lang="cs-CZ" smtClean="0"/>
-              <a:t>12.05.2019</a:t>
+              <a:t>13.05.2019</a:t>
             </a:fld>
             <a:endParaRPr lang="cs-CZ"/>
           </a:p>
@@ -2591,7 +2663,7 @@
           <a:p>
             <a:fld id="{10280380-A66F-4D95-ACA2-7D4D5E660D3C}" type="datetimeFigureOut">
               <a:rPr lang="cs-CZ" smtClean="0"/>
-              <a:t>12.05.2019</a:t>
+              <a:t>13.05.2019</a:t>
             </a:fld>
             <a:endParaRPr lang="cs-CZ"/>
           </a:p>
